--- a/analysis/HA/data/references/workflow.pptx
+++ b/analysis/HA/data/references/workflow.pptx
@@ -104,6 +104,11 @@
       </a:defRPr>
     </a:lvl9pPr>
   </p:defaultTextStyle>
+  <p:extLst>
+    <p:ext uri="{EFAFB233-063F-42B5-8137-9DF3F51BA10A}">
+      <p15:sldGuideLst xmlns:p15="http://schemas.microsoft.com/office/powerpoint/2012/main"/>
+    </p:ext>
+  </p:extLst>
 </p:presentation>
 </file>
 
@@ -238,7 +243,7 @@
           <a:p>
             <a:fld id="{8F193D09-386F-5842-A69C-3369B1D30C02}" type="datetimeFigureOut">
               <a:rPr lang="en-US" smtClean="0"/>
-              <a:t>12/12/17</a:t>
+              <a:t>4/9/18</a:t>
             </a:fld>
             <a:endParaRPr lang="en-US"/>
           </a:p>
@@ -408,7 +413,7 @@
           <a:p>
             <a:fld id="{8F193D09-386F-5842-A69C-3369B1D30C02}" type="datetimeFigureOut">
               <a:rPr lang="en-US" smtClean="0"/>
-              <a:t>12/12/17</a:t>
+              <a:t>4/9/18</a:t>
             </a:fld>
             <a:endParaRPr lang="en-US"/>
           </a:p>
@@ -588,7 +593,7 @@
           <a:p>
             <a:fld id="{8F193D09-386F-5842-A69C-3369B1D30C02}" type="datetimeFigureOut">
               <a:rPr lang="en-US" smtClean="0"/>
-              <a:t>12/12/17</a:t>
+              <a:t>4/9/18</a:t>
             </a:fld>
             <a:endParaRPr lang="en-US"/>
           </a:p>
@@ -758,7 +763,7 @@
           <a:p>
             <a:fld id="{8F193D09-386F-5842-A69C-3369B1D30C02}" type="datetimeFigureOut">
               <a:rPr lang="en-US" smtClean="0"/>
-              <a:t>12/12/17</a:t>
+              <a:t>4/9/18</a:t>
             </a:fld>
             <a:endParaRPr lang="en-US"/>
           </a:p>
@@ -1004,7 +1009,7 @@
           <a:p>
             <a:fld id="{8F193D09-386F-5842-A69C-3369B1D30C02}" type="datetimeFigureOut">
               <a:rPr lang="en-US" smtClean="0"/>
-              <a:t>12/12/17</a:t>
+              <a:t>4/9/18</a:t>
             </a:fld>
             <a:endParaRPr lang="en-US"/>
           </a:p>
@@ -1236,7 +1241,7 @@
           <a:p>
             <a:fld id="{8F193D09-386F-5842-A69C-3369B1D30C02}" type="datetimeFigureOut">
               <a:rPr lang="en-US" smtClean="0"/>
-              <a:t>12/12/17</a:t>
+              <a:t>4/9/18</a:t>
             </a:fld>
             <a:endParaRPr lang="en-US"/>
           </a:p>
@@ -1603,7 +1608,7 @@
           <a:p>
             <a:fld id="{8F193D09-386F-5842-A69C-3369B1D30C02}" type="datetimeFigureOut">
               <a:rPr lang="en-US" smtClean="0"/>
-              <a:t>12/12/17</a:t>
+              <a:t>4/9/18</a:t>
             </a:fld>
             <a:endParaRPr lang="en-US"/>
           </a:p>
@@ -1721,7 +1726,7 @@
           <a:p>
             <a:fld id="{8F193D09-386F-5842-A69C-3369B1D30C02}" type="datetimeFigureOut">
               <a:rPr lang="en-US" smtClean="0"/>
-              <a:t>12/12/17</a:t>
+              <a:t>4/9/18</a:t>
             </a:fld>
             <a:endParaRPr lang="en-US"/>
           </a:p>
@@ -1816,7 +1821,7 @@
           <a:p>
             <a:fld id="{8F193D09-386F-5842-A69C-3369B1D30C02}" type="datetimeFigureOut">
               <a:rPr lang="en-US" smtClean="0"/>
-              <a:t>12/12/17</a:t>
+              <a:t>4/9/18</a:t>
             </a:fld>
             <a:endParaRPr lang="en-US"/>
           </a:p>
@@ -2093,7 +2098,7 @@
           <a:p>
             <a:fld id="{8F193D09-386F-5842-A69C-3369B1D30C02}" type="datetimeFigureOut">
               <a:rPr lang="en-US" smtClean="0"/>
-              <a:t>12/12/17</a:t>
+              <a:t>4/9/18</a:t>
             </a:fld>
             <a:endParaRPr lang="en-US"/>
           </a:p>
@@ -2346,7 +2351,7 @@
           <a:p>
             <a:fld id="{8F193D09-386F-5842-A69C-3369B1D30C02}" type="datetimeFigureOut">
               <a:rPr lang="en-US" smtClean="0"/>
-              <a:t>12/12/17</a:t>
+              <a:t>4/9/18</a:t>
             </a:fld>
             <a:endParaRPr lang="en-US"/>
           </a:p>
@@ -2559,7 +2564,7 @@
           <a:p>
             <a:fld id="{8F193D09-386F-5842-A69C-3369B1D30C02}" type="datetimeFigureOut">
               <a:rPr lang="en-US" smtClean="0"/>
-              <a:t>12/12/17</a:t>
+              <a:t>4/9/18</a:t>
             </a:fld>
             <a:endParaRPr lang="en-US"/>
           </a:p>
@@ -2972,10 +2977,10 @@
         </p:nvGrpSpPr>
         <p:grpSpPr>
           <a:xfrm>
-            <a:off x="-9719942" y="-4460258"/>
-            <a:ext cx="29628748" cy="16201068"/>
-            <a:chOff x="-9688411" y="-802658"/>
-            <a:chExt cx="29628748" cy="16201068"/>
+            <a:off x="-5447810" y="-4460258"/>
+            <a:ext cx="25356616" cy="14562765"/>
+            <a:chOff x="-5416279" y="-802658"/>
+            <a:chExt cx="25356616" cy="14562765"/>
           </a:xfrm>
         </p:grpSpPr>
         <p:sp>
@@ -3081,7 +3086,7 @@
           <p:spPr>
             <a:xfrm>
               <a:off x="-5326657" y="118641"/>
-              <a:ext cx="14925881" cy="553998"/>
+              <a:ext cx="14233384" cy="553998"/>
             </a:xfrm>
             <a:prstGeom prst="rect">
               <a:avLst/>
@@ -3112,7 +3117,23 @@
                   <a:ea typeface="Courier New" charset="0"/>
                   <a:cs typeface="Courier New" charset="0"/>
                 </a:rPr>
-                <a:t>[x for x in range(1,19) if x not in [12,15,17,18]]</a:t>
+                <a:t>[x for x in range(1,19) if x not in </a:t>
+              </a:r>
+              <a:r>
+                <a:rPr lang="en-US" sz="3000" dirty="0" smtClean="0">
+                  <a:latin typeface="Courier New" charset="0"/>
+                  <a:ea typeface="Courier New" charset="0"/>
+                  <a:cs typeface="Courier New" charset="0"/>
+                </a:rPr>
+                <a:t>[15,17,18</a:t>
+              </a:r>
+              <a:r>
+                <a:rPr lang="en-US" sz="3000" dirty="0" smtClean="0">
+                  <a:latin typeface="Courier New" charset="0"/>
+                  <a:ea typeface="Courier New" charset="0"/>
+                  <a:cs typeface="Courier New" charset="0"/>
+                </a:rPr>
+                <a:t>]]</a:t>
               </a:r>
               <a:endParaRPr lang="en-US" sz="3000" dirty="0">
                 <a:latin typeface="Courier New" charset="0"/>
@@ -7813,393 +7834,6 @@
             </a:p>
           </p:txBody>
         </p:sp>
-        <p:sp>
-          <p:nvSpPr>
-            <p:cNvPr id="188" name="Half Frame 187"/>
-            <p:cNvSpPr/>
-            <p:nvPr/>
-          </p:nvSpPr>
-          <p:spPr>
-            <a:xfrm rot="13492208">
-              <a:off x="729473" y="11581594"/>
-              <a:ext cx="2048106" cy="2241508"/>
-            </a:xfrm>
-            <a:prstGeom prst="halfFrame">
-              <a:avLst>
-                <a:gd name="adj1" fmla="val 6337"/>
-                <a:gd name="adj2" fmla="val 6905"/>
-              </a:avLst>
-            </a:prstGeom>
-            <a:solidFill>
-              <a:schemeClr val="bg2">
-                <a:lumMod val="75000"/>
-              </a:schemeClr>
-            </a:solidFill>
-            <a:ln>
-              <a:solidFill>
-                <a:schemeClr val="bg2">
-                  <a:lumMod val="75000"/>
-                </a:schemeClr>
-              </a:solidFill>
-            </a:ln>
-          </p:spPr>
-          <p:style>
-            <a:lnRef idx="2">
-              <a:schemeClr val="accent1">
-                <a:shade val="50000"/>
-              </a:schemeClr>
-            </a:lnRef>
-            <a:fillRef idx="1">
-              <a:schemeClr val="accent1"/>
-            </a:fillRef>
-            <a:effectRef idx="0">
-              <a:schemeClr val="accent1"/>
-            </a:effectRef>
-            <a:fontRef idx="minor">
-              <a:schemeClr val="lt1"/>
-            </a:fontRef>
-          </p:style>
-          <p:txBody>
-            <a:bodyPr rtlCol="0" anchor="ctr"/>
-            <a:lstStyle/>
-            <a:p>
-              <a:pPr algn="ctr"/>
-              <a:endParaRPr lang="en-US">
-                <a:solidFill>
-                  <a:schemeClr val="tx1"/>
-                </a:solidFill>
-              </a:endParaRPr>
-            </a:p>
-          </p:txBody>
-        </p:sp>
-        <p:grpSp>
-          <p:nvGrpSpPr>
-            <p:cNvPr id="192" name="Group 191"/>
-            <p:cNvGrpSpPr/>
-            <p:nvPr/>
-          </p:nvGrpSpPr>
-          <p:grpSpPr>
-            <a:xfrm>
-              <a:off x="-107897" y="14484010"/>
-              <a:ext cx="3377872" cy="914400"/>
-              <a:chOff x="540701" y="14505804"/>
-              <a:chExt cx="3377872" cy="914400"/>
-            </a:xfrm>
-          </p:grpSpPr>
-          <p:sp>
-            <p:nvSpPr>
-              <p:cNvPr id="190" name="Rectangle 189"/>
-              <p:cNvSpPr/>
-              <p:nvPr/>
-            </p:nvSpPr>
-            <p:spPr>
-              <a:xfrm>
-                <a:off x="540701" y="14505804"/>
-                <a:ext cx="3377872" cy="914400"/>
-              </a:xfrm>
-              <a:prstGeom prst="rect">
-                <a:avLst/>
-              </a:prstGeom>
-              <a:solidFill>
-                <a:schemeClr val="accent1">
-                  <a:lumMod val="75000"/>
-                </a:schemeClr>
-              </a:solidFill>
-              <a:ln>
-                <a:noFill/>
-              </a:ln>
-            </p:spPr>
-            <p:style>
-              <a:lnRef idx="2">
-                <a:schemeClr val="accent1">
-                  <a:shade val="50000"/>
-                </a:schemeClr>
-              </a:lnRef>
-              <a:fillRef idx="1">
-                <a:schemeClr val="accent1"/>
-              </a:fillRef>
-              <a:effectRef idx="0">
-                <a:schemeClr val="accent1"/>
-              </a:effectRef>
-              <a:fontRef idx="minor">
-                <a:schemeClr val="lt1"/>
-              </a:fontRef>
-            </p:style>
-            <p:txBody>
-              <a:bodyPr rtlCol="0" anchor="ctr"/>
-              <a:lstStyle/>
-              <a:p>
-                <a:pPr algn="ctr"/>
-                <a:endParaRPr lang="en-US"/>
-              </a:p>
-            </p:txBody>
-          </p:sp>
-          <p:sp>
-            <p:nvSpPr>
-              <p:cNvPr id="191" name="TextBox 190"/>
-              <p:cNvSpPr txBox="1"/>
-              <p:nvPr/>
-            </p:nvSpPr>
-            <p:spPr>
-              <a:xfrm>
-                <a:off x="558358" y="14505804"/>
-                <a:ext cx="3360215" cy="830997"/>
-              </a:xfrm>
-              <a:prstGeom prst="rect">
-                <a:avLst/>
-              </a:prstGeom>
-              <a:noFill/>
-              <a:ln>
-                <a:noFill/>
-              </a:ln>
-            </p:spPr>
-            <p:txBody>
-              <a:bodyPr wrap="none" rtlCol="0">
-                <a:spAutoFit/>
-              </a:bodyPr>
-              <a:lstStyle/>
-              <a:p>
-                <a:r>
-                  <a:rPr lang="en-US" sz="2400" b="1" dirty="0">
-                    <a:solidFill>
-                      <a:schemeClr val="bg1"/>
-                    </a:solidFill>
-                    <a:latin typeface="Yu Gothic" charset="-128"/>
-                    <a:ea typeface="Yu Gothic" charset="-128"/>
-                    <a:cs typeface="Yu Gothic" charset="-128"/>
-                  </a:rPr>
-                  <a:t>s</a:t>
-                </a:r>
-                <a:r>
-                  <a:rPr lang="en-US" sz="2400" b="1" dirty="0" smtClean="0">
-                    <a:solidFill>
-                      <a:schemeClr val="bg1"/>
-                    </a:solidFill>
-                    <a:latin typeface="Yu Gothic" charset="-128"/>
-                    <a:ea typeface="Yu Gothic" charset="-128"/>
-                    <a:cs typeface="Yu Gothic" charset="-128"/>
-                  </a:rPr>
-                  <a:t>ummary: </a:t>
-                </a:r>
-              </a:p>
-              <a:p>
-                <a:r>
-                  <a:rPr lang="en-US" sz="2400" b="1" dirty="0" smtClean="0">
-                    <a:solidFill>
-                      <a:schemeClr val="bg1"/>
-                    </a:solidFill>
-                    <a:latin typeface="Yu Gothic" charset="-128"/>
-                    <a:ea typeface="Yu Gothic" charset="-128"/>
-                    <a:cs typeface="Yu Gothic" charset="-128"/>
-                  </a:rPr>
-                  <a:t>divergence distances</a:t>
-                </a:r>
-                <a:endParaRPr lang="en-US" sz="2400" b="1" dirty="0">
-                  <a:solidFill>
-                    <a:schemeClr val="bg1"/>
-                  </a:solidFill>
-                  <a:latin typeface="Yu Gothic" charset="-128"/>
-                  <a:ea typeface="Yu Gothic" charset="-128"/>
-                  <a:cs typeface="Yu Gothic" charset="-128"/>
-                </a:endParaRPr>
-              </a:p>
-            </p:txBody>
-          </p:sp>
-        </p:grpSp>
-        <p:cxnSp>
-          <p:nvCxnSpPr>
-            <p:cNvPr id="193" name="Straight Arrow Connector 192"/>
-            <p:cNvCxnSpPr/>
-            <p:nvPr/>
-          </p:nvCxnSpPr>
-          <p:spPr>
-            <a:xfrm flipH="1">
-              <a:off x="-6011657" y="6804050"/>
-              <a:ext cx="845297" cy="0"/>
-            </a:xfrm>
-            <a:prstGeom prst="straightConnector1">
-              <a:avLst/>
-            </a:prstGeom>
-            <a:ln w="76200">
-              <a:solidFill>
-                <a:schemeClr val="bg2">
-                  <a:lumMod val="75000"/>
-                </a:schemeClr>
-              </a:solidFill>
-              <a:tailEnd type="triangle"/>
-            </a:ln>
-          </p:spPr>
-          <p:style>
-            <a:lnRef idx="1">
-              <a:schemeClr val="accent1"/>
-            </a:lnRef>
-            <a:fillRef idx="0">
-              <a:schemeClr val="accent1"/>
-            </a:fillRef>
-            <a:effectRef idx="0">
-              <a:schemeClr val="accent1"/>
-            </a:effectRef>
-            <a:fontRef idx="minor">
-              <a:schemeClr val="tx1"/>
-            </a:fontRef>
-          </p:style>
-        </p:cxnSp>
-        <p:grpSp>
-          <p:nvGrpSpPr>
-            <p:cNvPr id="197" name="Group 196"/>
-            <p:cNvGrpSpPr/>
-            <p:nvPr/>
-          </p:nvGrpSpPr>
-          <p:grpSpPr>
-            <a:xfrm>
-              <a:off x="-9688411" y="6373216"/>
-              <a:ext cx="3377872" cy="914400"/>
-              <a:chOff x="540701" y="14505804"/>
-              <a:chExt cx="3377872" cy="914400"/>
-            </a:xfrm>
-          </p:grpSpPr>
-          <p:sp>
-            <p:nvSpPr>
-              <p:cNvPr id="198" name="Rectangle 197"/>
-              <p:cNvSpPr/>
-              <p:nvPr/>
-            </p:nvSpPr>
-            <p:spPr>
-              <a:xfrm>
-                <a:off x="540701" y="14505804"/>
-                <a:ext cx="3377872" cy="914400"/>
-              </a:xfrm>
-              <a:prstGeom prst="rect">
-                <a:avLst/>
-              </a:prstGeom>
-              <a:solidFill>
-                <a:schemeClr val="accent1">
-                  <a:lumMod val="75000"/>
-                </a:schemeClr>
-              </a:solidFill>
-              <a:ln>
-                <a:noFill/>
-              </a:ln>
-            </p:spPr>
-            <p:style>
-              <a:lnRef idx="2">
-                <a:schemeClr val="accent1">
-                  <a:shade val="50000"/>
-                </a:schemeClr>
-              </a:lnRef>
-              <a:fillRef idx="1">
-                <a:schemeClr val="accent1"/>
-              </a:fillRef>
-              <a:effectRef idx="0">
-                <a:schemeClr val="accent1"/>
-              </a:effectRef>
-              <a:fontRef idx="minor">
-                <a:schemeClr val="lt1"/>
-              </a:fontRef>
-            </p:style>
-            <p:txBody>
-              <a:bodyPr rtlCol="0" anchor="ctr"/>
-              <a:lstStyle/>
-              <a:p>
-                <a:pPr algn="ctr"/>
-                <a:endParaRPr lang="en-US"/>
-              </a:p>
-            </p:txBody>
-          </p:sp>
-          <p:sp>
-            <p:nvSpPr>
-              <p:cNvPr id="199" name="TextBox 198"/>
-              <p:cNvSpPr txBox="1"/>
-              <p:nvPr/>
-            </p:nvSpPr>
-            <p:spPr>
-              <a:xfrm>
-                <a:off x="558358" y="14505804"/>
-                <a:ext cx="1994457" cy="830997"/>
-              </a:xfrm>
-              <a:prstGeom prst="rect">
-                <a:avLst/>
-              </a:prstGeom>
-              <a:noFill/>
-              <a:ln>
-                <a:noFill/>
-              </a:ln>
-            </p:spPr>
-            <p:txBody>
-              <a:bodyPr wrap="none" rtlCol="0">
-                <a:spAutoFit/>
-              </a:bodyPr>
-              <a:lstStyle/>
-              <a:p>
-                <a:r>
-                  <a:rPr lang="en-US" sz="2400" b="1" dirty="0">
-                    <a:solidFill>
-                      <a:schemeClr val="bg1"/>
-                    </a:solidFill>
-                    <a:latin typeface="Yu Gothic" charset="-128"/>
-                    <a:ea typeface="Yu Gothic" charset="-128"/>
-                    <a:cs typeface="Yu Gothic" charset="-128"/>
-                  </a:rPr>
-                  <a:t>s</a:t>
-                </a:r>
-                <a:r>
-                  <a:rPr lang="en-US" sz="2400" b="1" dirty="0" smtClean="0">
-                    <a:solidFill>
-                      <a:schemeClr val="bg1"/>
-                    </a:solidFill>
-                    <a:latin typeface="Yu Gothic" charset="-128"/>
-                    <a:ea typeface="Yu Gothic" charset="-128"/>
-                    <a:cs typeface="Yu Gothic" charset="-128"/>
-                  </a:rPr>
-                  <a:t>ummary: </a:t>
-                </a:r>
-              </a:p>
-              <a:p>
-                <a:r>
-                  <a:rPr lang="en-US" sz="2400" b="1" dirty="0">
-                    <a:solidFill>
-                      <a:schemeClr val="bg1"/>
-                    </a:solidFill>
-                    <a:latin typeface="Yu Gothic" charset="-128"/>
-                    <a:ea typeface="Yu Gothic" charset="-128"/>
-                    <a:cs typeface="Yu Gothic" charset="-128"/>
-                  </a:rPr>
-                  <a:t>s</a:t>
-                </a:r>
-                <a:r>
-                  <a:rPr lang="en-US" sz="2400" b="1" dirty="0" smtClean="0">
-                    <a:solidFill>
-                      <a:schemeClr val="bg1"/>
-                    </a:solidFill>
-                    <a:latin typeface="Yu Gothic" charset="-128"/>
-                    <a:ea typeface="Yu Gothic" charset="-128"/>
-                    <a:cs typeface="Yu Gothic" charset="-128"/>
-                  </a:rPr>
-                  <a:t>hared </a:t>
-                </a:r>
-                <a:r>
-                  <a:rPr lang="en-US" sz="2400" b="1" dirty="0" err="1" smtClean="0">
-                    <a:solidFill>
-                      <a:schemeClr val="bg1"/>
-                    </a:solidFill>
-                    <a:latin typeface="Yu Gothic" charset="-128"/>
-                    <a:ea typeface="Yu Gothic" charset="-128"/>
-                    <a:cs typeface="Yu Gothic" charset="-128"/>
-                  </a:rPr>
-                  <a:t>seqs</a:t>
-                </a:r>
-                <a:endParaRPr lang="en-US" sz="2400" b="1" dirty="0" smtClean="0">
-                  <a:solidFill>
-                    <a:schemeClr val="bg1"/>
-                  </a:solidFill>
-                  <a:latin typeface="Yu Gothic" charset="-128"/>
-                  <a:ea typeface="Yu Gothic" charset="-128"/>
-                  <a:cs typeface="Yu Gothic" charset="-128"/>
-                </a:endParaRPr>
-              </a:p>
-            </p:txBody>
-          </p:sp>
-        </p:grpSp>
       </p:grpSp>
     </p:spTree>
     <p:extLst>
